--- a/Slides/ContextModelsAndAwareness.pptx
+++ b/Slides/ContextModelsAndAwareness.pptx
@@ -1357,7 +1357,7 @@
           <a:bodyPr/>
           <a:lstStyle/>
           <a:p>
-            <a:endParaRPr lang="en-US" altLang="en-US"/>
+            <a:endParaRPr lang="en-US" altLang="en-US" dirty="0"/>
           </a:p>
         </p:txBody>
       </p:sp>
@@ -1597,7 +1597,7 @@
           <a:lstStyle/>
           <a:p>
             <a:pPr defTabSz="736600"/>
-            <a:endParaRPr lang="en-US" altLang="en-US"/>
+            <a:endParaRPr lang="en-US" altLang="en-US" dirty="0"/>
           </a:p>
         </p:txBody>
       </p:sp>
@@ -1690,7 +1690,15 @@
           <a:bodyPr/>
           <a:lstStyle/>
           <a:p>
-            <a:endParaRPr lang="en-US" altLang="en-US"/>
+            <a:r>
+              <a:rPr lang="en-US" altLang="en-US" dirty="0" smtClean="0"/>
+              <a:t>How to represent context aware model.</a:t>
+            </a:r>
+            <a:r>
+              <a:rPr lang="en-US" altLang="en-US" baseline="0" dirty="0" smtClean="0"/>
+              <a:t> Simplistic is key-value representation.</a:t>
+            </a:r>
+            <a:endParaRPr lang="en-US" altLang="en-US" dirty="0" smtClean="0"/>
           </a:p>
         </p:txBody>
       </p:sp>
@@ -1783,7 +1791,15 @@
           <a:bodyPr/>
           <a:lstStyle/>
           <a:p>
-            <a:endParaRPr lang="en-US" altLang="en-US"/>
+            <a:r>
+              <a:rPr lang="en-US" altLang="en-US" dirty="0" smtClean="0"/>
+              <a:t>Using an XML representation</a:t>
+            </a:r>
+            <a:r>
+              <a:rPr lang="en-US" altLang="en-US" dirty="0"/>
+              <a:t>.</a:t>
+            </a:r>
+            <a:endParaRPr lang="en-US" altLang="en-US" dirty="0" smtClean="0"/>
           </a:p>
         </p:txBody>
       </p:sp>
@@ -1876,7 +1892,15 @@
           <a:bodyPr/>
           <a:lstStyle/>
           <a:p>
-            <a:endParaRPr lang="en-US" altLang="en-US"/>
+            <a:r>
+              <a:rPr lang="en-US" altLang="en-US" dirty="0" smtClean="0"/>
+              <a:t>Graphical</a:t>
+            </a:r>
+            <a:r>
+              <a:rPr lang="en-US" altLang="en-US" baseline="0" dirty="0" smtClean="0"/>
+              <a:t> way to represent context information. Grouping nodes in a graph.</a:t>
+            </a:r>
+            <a:endParaRPr lang="en-US" altLang="en-US" dirty="0"/>
           </a:p>
         </p:txBody>
       </p:sp>
@@ -2163,7 +2187,23 @@
           <a:bodyPr/>
           <a:lstStyle/>
           <a:p>
-            <a:endParaRPr lang="en-US" altLang="en-US"/>
+            <a:r>
+              <a:rPr lang="en-US" altLang="en-US" dirty="0" smtClean="0"/>
+              <a:t>An example would be functional programming like LISP or </a:t>
+            </a:r>
+            <a:r>
+              <a:rPr lang="en-US" altLang="en-US" dirty="0" err="1" smtClean="0"/>
+              <a:t>Node.js</a:t>
+            </a:r>
+            <a:r>
+              <a:rPr lang="en-US" altLang="en-US" dirty="0" smtClean="0"/>
+              <a:t>,</a:t>
+            </a:r>
+            <a:r>
+              <a:rPr lang="en-US" altLang="en-US" baseline="0" dirty="0" smtClean="0"/>
+              <a:t> Lambda Calculus</a:t>
+            </a:r>
+            <a:endParaRPr lang="en-US" altLang="en-US" dirty="0"/>
           </a:p>
         </p:txBody>
       </p:sp>
@@ -2194,49 +2234,21 @@
       </p:grpSpPr>
       <p:sp>
         <p:nvSpPr>
-          <p:cNvPr id="7" name="Rectangle 7"/>
+          <p:cNvPr id="2" name="Slide Image Placeholder 1"/>
           <p:cNvSpPr>
-            <a:spLocks noGrp="1" noChangeArrowheads="1"/>
-          </p:cNvSpPr>
-          <p:nvPr>
-            <p:ph type="sldNum" sz="quarter" idx="5"/>
-          </p:nvPr>
-        </p:nvSpPr>
-        <p:spPr>
-          <a:ln/>
-        </p:spPr>
-        <p:txBody>
-          <a:bodyPr/>
-          <a:lstStyle/>
-          <a:p>
-            <a:fld id="{30DC2B14-BB91-4598-9C71-D1649B79B028}" type="slidenum">
-              <a:rPr lang="de-DE" altLang="en-US"/>
-              <a:pPr/>
-              <a:t>29</a:t>
-            </a:fld>
-            <a:endParaRPr lang="de-DE" altLang="en-US"/>
-          </a:p>
-        </p:txBody>
-      </p:sp>
-      <p:sp>
-        <p:nvSpPr>
-          <p:cNvPr id="161794" name="Rectangle 2"/>
-          <p:cNvSpPr>
-            <a:spLocks noGrp="1" noRot="1" noChangeAspect="1" noChangeArrowheads="1" noTextEdit="1"/>
+            <a:spLocks noGrp="1" noRot="1" noChangeAspect="1"/>
           </p:cNvSpPr>
           <p:nvPr>
             <p:ph type="sldImg"/>
           </p:nvPr>
         </p:nvSpPr>
-        <p:spPr>
-          <a:ln/>
-        </p:spPr>
-      </p:sp>
-      <p:sp>
-        <p:nvSpPr>
-          <p:cNvPr id="161795" name="Rectangle 3"/>
+        <p:spPr/>
+      </p:sp>
+      <p:sp>
+        <p:nvSpPr>
+          <p:cNvPr id="3" name="Notes Placeholder 2"/>
           <p:cNvSpPr>
-            <a:spLocks noGrp="1" noChangeArrowheads="1"/>
+            <a:spLocks noGrp="1"/>
           </p:cNvSpPr>
           <p:nvPr>
             <p:ph type="body" idx="1"/>
@@ -2247,11 +2259,40 @@
           <a:bodyPr/>
           <a:lstStyle/>
           <a:p>
-            <a:endParaRPr lang="en-US" altLang="en-US"/>
+            <a:endParaRPr lang="en-US" dirty="0"/>
           </a:p>
         </p:txBody>
       </p:sp>
+      <p:sp>
+        <p:nvSpPr>
+          <p:cNvPr id="4" name="Slide Number Placeholder 3"/>
+          <p:cNvSpPr>
+            <a:spLocks noGrp="1"/>
+          </p:cNvSpPr>
+          <p:nvPr>
+            <p:ph type="sldNum" sz="quarter" idx="10"/>
+          </p:nvPr>
+        </p:nvSpPr>
+        <p:spPr/>
+        <p:txBody>
+          <a:bodyPr/>
+          <a:lstStyle/>
+          <a:p>
+            <a:fld id="{CF693486-F8DF-44DE-BB8F-44D2724D94EE}" type="slidenum">
+              <a:rPr lang="de-DE" altLang="en-US" smtClean="0"/>
+              <a:pPr/>
+              <a:t>22</a:t>
+            </a:fld>
+            <a:endParaRPr lang="de-DE" altLang="en-US"/>
+          </a:p>
+        </p:txBody>
+      </p:sp>
     </p:spTree>
+    <p:extLst>
+      <p:ext uri="{BB962C8B-B14F-4D97-AF65-F5344CB8AC3E}">
+        <p14:creationId xmlns:p14="http://schemas.microsoft.com/office/powerpoint/2010/main" val="24940721"/>
+      </p:ext>
+    </p:extLst>
   </p:cSld>
   <p:clrMapOvr>
     <a:masterClrMapping/>
@@ -2278,49 +2319,21 @@
       </p:grpSpPr>
       <p:sp>
         <p:nvSpPr>
-          <p:cNvPr id="7" name="Rectangle 7"/>
+          <p:cNvPr id="2" name="Slide Image Placeholder 1"/>
           <p:cNvSpPr>
-            <a:spLocks noGrp="1" noChangeArrowheads="1"/>
-          </p:cNvSpPr>
-          <p:nvPr>
-            <p:ph type="sldNum" sz="quarter" idx="5"/>
-          </p:nvPr>
-        </p:nvSpPr>
-        <p:spPr>
-          <a:ln/>
-        </p:spPr>
-        <p:txBody>
-          <a:bodyPr/>
-          <a:lstStyle/>
-          <a:p>
-            <a:fld id="{F1C3D701-14F6-4271-9F1E-7C792D83F39A}" type="slidenum">
-              <a:rPr lang="de-DE" altLang="en-US"/>
-              <a:pPr/>
-              <a:t>30</a:t>
-            </a:fld>
-            <a:endParaRPr lang="de-DE" altLang="en-US"/>
-          </a:p>
-        </p:txBody>
-      </p:sp>
-      <p:sp>
-        <p:nvSpPr>
-          <p:cNvPr id="163842" name="Rectangle 2"/>
-          <p:cNvSpPr>
-            <a:spLocks noGrp="1" noRot="1" noChangeAspect="1" noChangeArrowheads="1" noTextEdit="1"/>
+            <a:spLocks noGrp="1" noRot="1" noChangeAspect="1"/>
           </p:cNvSpPr>
           <p:nvPr>
             <p:ph type="sldImg"/>
           </p:nvPr>
         </p:nvSpPr>
-        <p:spPr>
-          <a:ln/>
-        </p:spPr>
-      </p:sp>
-      <p:sp>
-        <p:nvSpPr>
-          <p:cNvPr id="163843" name="Rectangle 3"/>
+        <p:spPr/>
+      </p:sp>
+      <p:sp>
+        <p:nvSpPr>
+          <p:cNvPr id="3" name="Notes Placeholder 2"/>
           <p:cNvSpPr>
-            <a:spLocks noGrp="1" noChangeArrowheads="1"/>
+            <a:spLocks noGrp="1"/>
           </p:cNvSpPr>
           <p:nvPr>
             <p:ph type="body" idx="1"/>
@@ -2331,11 +2344,40 @@
           <a:bodyPr/>
           <a:lstStyle/>
           <a:p>
-            <a:endParaRPr lang="en-US" altLang="en-US"/>
+            <a:endParaRPr lang="en-US" dirty="0"/>
           </a:p>
         </p:txBody>
       </p:sp>
+      <p:sp>
+        <p:nvSpPr>
+          <p:cNvPr id="4" name="Slide Number Placeholder 3"/>
+          <p:cNvSpPr>
+            <a:spLocks noGrp="1"/>
+          </p:cNvSpPr>
+          <p:nvPr>
+            <p:ph type="sldNum" sz="quarter" idx="10"/>
+          </p:nvPr>
+        </p:nvSpPr>
+        <p:spPr/>
+        <p:txBody>
+          <a:bodyPr/>
+          <a:lstStyle/>
+          <a:p>
+            <a:fld id="{CF693486-F8DF-44DE-BB8F-44D2724D94EE}" type="slidenum">
+              <a:rPr lang="de-DE" altLang="en-US" smtClean="0"/>
+              <a:pPr/>
+              <a:t>24</a:t>
+            </a:fld>
+            <a:endParaRPr lang="de-DE" altLang="en-US"/>
+          </a:p>
+        </p:txBody>
+      </p:sp>
     </p:spTree>
+    <p:extLst>
+      <p:ext uri="{BB962C8B-B14F-4D97-AF65-F5344CB8AC3E}">
+        <p14:creationId xmlns:p14="http://schemas.microsoft.com/office/powerpoint/2010/main" val="419386682"/>
+      </p:ext>
+    </p:extLst>
   </p:cSld>
   <p:clrMapOvr>
     <a:masterClrMapping/>
@@ -2377,10 +2419,10 @@
           <a:bodyPr/>
           <a:lstStyle/>
           <a:p>
-            <a:fld id="{CA8B3D1C-B491-4F8A-A191-84097EFDC88D}" type="slidenum">
+            <a:fld id="{30DC2B14-BB91-4598-9C71-D1649B79B028}" type="slidenum">
               <a:rPr lang="de-DE" altLang="en-US"/>
               <a:pPr/>
-              <a:t>31</a:t>
+              <a:t>29</a:t>
             </a:fld>
             <a:endParaRPr lang="de-DE" altLang="en-US"/>
           </a:p>
@@ -2388,7 +2430,7 @@
       </p:sp>
       <p:sp>
         <p:nvSpPr>
-          <p:cNvPr id="116738" name="Rectangle 2"/>
+          <p:cNvPr id="161794" name="Rectangle 2"/>
           <p:cNvSpPr>
             <a:spLocks noGrp="1" noRot="1" noChangeAspect="1" noChangeArrowheads="1" noTextEdit="1"/>
           </p:cNvSpPr>
@@ -2397,16 +2439,12 @@
           </p:nvPr>
         </p:nvSpPr>
         <p:spPr>
-          <a:xfrm>
-            <a:off x="819150" y="796925"/>
-            <a:ext cx="5530850" cy="3829050"/>
-          </a:xfrm>
           <a:ln/>
         </p:spPr>
       </p:sp>
       <p:sp>
         <p:nvSpPr>
-          <p:cNvPr id="116739" name="Rectangle 3"/>
+          <p:cNvPr id="161795" name="Rectangle 3"/>
           <p:cNvSpPr>
             <a:spLocks noGrp="1" noChangeArrowheads="1"/>
           </p:cNvSpPr>
@@ -2414,12 +2452,7 @@
             <p:ph type="body" idx="1"/>
           </p:nvPr>
         </p:nvSpPr>
-        <p:spPr>
-          <a:xfrm>
-            <a:off x="977900" y="4862513"/>
-            <a:ext cx="5211763" cy="4627562"/>
-          </a:xfrm>
-        </p:spPr>
+        <p:spPr/>
         <p:txBody>
           <a:bodyPr/>
           <a:lstStyle/>
@@ -2470,10 +2503,10 @@
           <a:bodyPr/>
           <a:lstStyle/>
           <a:p>
-            <a:fld id="{73311597-CAFE-41C0-998A-D8A22288AF71}" type="slidenum">
+            <a:fld id="{F1C3D701-14F6-4271-9F1E-7C792D83F39A}" type="slidenum">
               <a:rPr lang="de-DE" altLang="en-US"/>
               <a:pPr/>
-              <a:t>32</a:t>
+              <a:t>30</a:t>
             </a:fld>
             <a:endParaRPr lang="de-DE" altLang="en-US"/>
           </a:p>
@@ -2481,7 +2514,7 @@
       </p:sp>
       <p:sp>
         <p:nvSpPr>
-          <p:cNvPr id="118786" name="Rectangle 2"/>
+          <p:cNvPr id="163842" name="Rectangle 2"/>
           <p:cNvSpPr>
             <a:spLocks noGrp="1" noRot="1" noChangeAspect="1" noChangeArrowheads="1" noTextEdit="1"/>
           </p:cNvSpPr>
@@ -2490,16 +2523,12 @@
           </p:nvPr>
         </p:nvSpPr>
         <p:spPr>
-          <a:xfrm>
-            <a:off x="819150" y="796925"/>
-            <a:ext cx="5530850" cy="3829050"/>
-          </a:xfrm>
           <a:ln/>
         </p:spPr>
       </p:sp>
       <p:sp>
         <p:nvSpPr>
-          <p:cNvPr id="118787" name="Rectangle 3"/>
+          <p:cNvPr id="163843" name="Rectangle 3"/>
           <p:cNvSpPr>
             <a:spLocks noGrp="1" noChangeArrowheads="1"/>
           </p:cNvSpPr>
@@ -2507,12 +2536,7 @@
             <p:ph type="body" idx="1"/>
           </p:nvPr>
         </p:nvSpPr>
-        <p:spPr>
-          <a:xfrm>
-            <a:off x="977900" y="4862513"/>
-            <a:ext cx="5211763" cy="4627562"/>
-          </a:xfrm>
-        </p:spPr>
+        <p:spPr/>
         <p:txBody>
           <a:bodyPr/>
           <a:lstStyle/>
@@ -2563,10 +2587,10 @@
           <a:bodyPr/>
           <a:lstStyle/>
           <a:p>
-            <a:fld id="{894A8F45-5BBD-450A-B685-FAAE3CAD3083}" type="slidenum">
+            <a:fld id="{CA8B3D1C-B491-4F8A-A191-84097EFDC88D}" type="slidenum">
               <a:rPr lang="de-DE" altLang="en-US"/>
               <a:pPr/>
-              <a:t>33</a:t>
+              <a:t>31</a:t>
             </a:fld>
             <a:endParaRPr lang="de-DE" altLang="en-US"/>
           </a:p>
@@ -2574,7 +2598,7 @@
       </p:sp>
       <p:sp>
         <p:nvSpPr>
-          <p:cNvPr id="120834" name="Rectangle 2"/>
+          <p:cNvPr id="116738" name="Rectangle 2"/>
           <p:cNvSpPr>
             <a:spLocks noGrp="1" noRot="1" noChangeAspect="1" noChangeArrowheads="1" noTextEdit="1"/>
           </p:cNvSpPr>
@@ -2592,7 +2616,7 @@
       </p:sp>
       <p:sp>
         <p:nvSpPr>
-          <p:cNvPr id="120835" name="Rectangle 3"/>
+          <p:cNvPr id="116739" name="Rectangle 3"/>
           <p:cNvSpPr>
             <a:spLocks noGrp="1" noChangeArrowheads="1"/>
           </p:cNvSpPr>
@@ -2623,6 +2647,192 @@
 </file>
 
 <file path=ppt/notesSlides/notesSlide27.xml><?xml version="1.0" encoding="utf-8"?>
+<p:notes xmlns:a="http://schemas.openxmlformats.org/drawingml/2006/main" xmlns:r="http://schemas.openxmlformats.org/officeDocument/2006/relationships" xmlns:p="http://schemas.openxmlformats.org/presentationml/2006/main">
+  <p:cSld>
+    <p:spTree>
+      <p:nvGrpSpPr>
+        <p:cNvPr id="1" name=""/>
+        <p:cNvGrpSpPr/>
+        <p:nvPr/>
+      </p:nvGrpSpPr>
+      <p:grpSpPr>
+        <a:xfrm>
+          <a:off x="0" y="0"/>
+          <a:ext cx="0" cy="0"/>
+          <a:chOff x="0" y="0"/>
+          <a:chExt cx="0" cy="0"/>
+        </a:xfrm>
+      </p:grpSpPr>
+      <p:sp>
+        <p:nvSpPr>
+          <p:cNvPr id="7" name="Rectangle 7"/>
+          <p:cNvSpPr>
+            <a:spLocks noGrp="1" noChangeArrowheads="1"/>
+          </p:cNvSpPr>
+          <p:nvPr>
+            <p:ph type="sldNum" sz="quarter" idx="5"/>
+          </p:nvPr>
+        </p:nvSpPr>
+        <p:spPr>
+          <a:ln/>
+        </p:spPr>
+        <p:txBody>
+          <a:bodyPr/>
+          <a:lstStyle/>
+          <a:p>
+            <a:fld id="{73311597-CAFE-41C0-998A-D8A22288AF71}" type="slidenum">
+              <a:rPr lang="de-DE" altLang="en-US"/>
+              <a:pPr/>
+              <a:t>32</a:t>
+            </a:fld>
+            <a:endParaRPr lang="de-DE" altLang="en-US"/>
+          </a:p>
+        </p:txBody>
+      </p:sp>
+      <p:sp>
+        <p:nvSpPr>
+          <p:cNvPr id="118786" name="Rectangle 2"/>
+          <p:cNvSpPr>
+            <a:spLocks noGrp="1" noRot="1" noChangeAspect="1" noChangeArrowheads="1" noTextEdit="1"/>
+          </p:cNvSpPr>
+          <p:nvPr>
+            <p:ph type="sldImg"/>
+          </p:nvPr>
+        </p:nvSpPr>
+        <p:spPr>
+          <a:xfrm>
+            <a:off x="819150" y="796925"/>
+            <a:ext cx="5530850" cy="3829050"/>
+          </a:xfrm>
+          <a:ln/>
+        </p:spPr>
+      </p:sp>
+      <p:sp>
+        <p:nvSpPr>
+          <p:cNvPr id="118787" name="Rectangle 3"/>
+          <p:cNvSpPr>
+            <a:spLocks noGrp="1" noChangeArrowheads="1"/>
+          </p:cNvSpPr>
+          <p:nvPr>
+            <p:ph type="body" idx="1"/>
+          </p:nvPr>
+        </p:nvSpPr>
+        <p:spPr>
+          <a:xfrm>
+            <a:off x="977900" y="4862513"/>
+            <a:ext cx="5211763" cy="4627562"/>
+          </a:xfrm>
+        </p:spPr>
+        <p:txBody>
+          <a:bodyPr/>
+          <a:lstStyle/>
+          <a:p>
+            <a:endParaRPr lang="en-US" altLang="en-US"/>
+          </a:p>
+        </p:txBody>
+      </p:sp>
+    </p:spTree>
+  </p:cSld>
+  <p:clrMapOvr>
+    <a:masterClrMapping/>
+  </p:clrMapOvr>
+</p:notes>
+</file>
+
+<file path=ppt/notesSlides/notesSlide28.xml><?xml version="1.0" encoding="utf-8"?>
+<p:notes xmlns:a="http://schemas.openxmlformats.org/drawingml/2006/main" xmlns:r="http://schemas.openxmlformats.org/officeDocument/2006/relationships" xmlns:p="http://schemas.openxmlformats.org/presentationml/2006/main">
+  <p:cSld>
+    <p:spTree>
+      <p:nvGrpSpPr>
+        <p:cNvPr id="1" name=""/>
+        <p:cNvGrpSpPr/>
+        <p:nvPr/>
+      </p:nvGrpSpPr>
+      <p:grpSpPr>
+        <a:xfrm>
+          <a:off x="0" y="0"/>
+          <a:ext cx="0" cy="0"/>
+          <a:chOff x="0" y="0"/>
+          <a:chExt cx="0" cy="0"/>
+        </a:xfrm>
+      </p:grpSpPr>
+      <p:sp>
+        <p:nvSpPr>
+          <p:cNvPr id="7" name="Rectangle 7"/>
+          <p:cNvSpPr>
+            <a:spLocks noGrp="1" noChangeArrowheads="1"/>
+          </p:cNvSpPr>
+          <p:nvPr>
+            <p:ph type="sldNum" sz="quarter" idx="5"/>
+          </p:nvPr>
+        </p:nvSpPr>
+        <p:spPr>
+          <a:ln/>
+        </p:spPr>
+        <p:txBody>
+          <a:bodyPr/>
+          <a:lstStyle/>
+          <a:p>
+            <a:fld id="{894A8F45-5BBD-450A-B685-FAAE3CAD3083}" type="slidenum">
+              <a:rPr lang="de-DE" altLang="en-US"/>
+              <a:pPr/>
+              <a:t>33</a:t>
+            </a:fld>
+            <a:endParaRPr lang="de-DE" altLang="en-US"/>
+          </a:p>
+        </p:txBody>
+      </p:sp>
+      <p:sp>
+        <p:nvSpPr>
+          <p:cNvPr id="120834" name="Rectangle 2"/>
+          <p:cNvSpPr>
+            <a:spLocks noGrp="1" noRot="1" noChangeAspect="1" noChangeArrowheads="1" noTextEdit="1"/>
+          </p:cNvSpPr>
+          <p:nvPr>
+            <p:ph type="sldImg"/>
+          </p:nvPr>
+        </p:nvSpPr>
+        <p:spPr>
+          <a:xfrm>
+            <a:off x="819150" y="796925"/>
+            <a:ext cx="5530850" cy="3829050"/>
+          </a:xfrm>
+          <a:ln/>
+        </p:spPr>
+      </p:sp>
+      <p:sp>
+        <p:nvSpPr>
+          <p:cNvPr id="120835" name="Rectangle 3"/>
+          <p:cNvSpPr>
+            <a:spLocks noGrp="1" noChangeArrowheads="1"/>
+          </p:cNvSpPr>
+          <p:nvPr>
+            <p:ph type="body" idx="1"/>
+          </p:nvPr>
+        </p:nvSpPr>
+        <p:spPr>
+          <a:xfrm>
+            <a:off x="977900" y="4862513"/>
+            <a:ext cx="5211763" cy="4627562"/>
+          </a:xfrm>
+        </p:spPr>
+        <p:txBody>
+          <a:bodyPr/>
+          <a:lstStyle/>
+          <a:p>
+            <a:endParaRPr lang="en-US" altLang="en-US"/>
+          </a:p>
+        </p:txBody>
+      </p:sp>
+    </p:spTree>
+  </p:cSld>
+  <p:clrMapOvr>
+    <a:masterClrMapping/>
+  </p:clrMapOvr>
+</p:notes>
+</file>
+
+<file path=ppt/notesSlides/notesSlide29.xml><?xml version="1.0" encoding="utf-8"?>
 <p:notes xmlns:a="http://schemas.openxmlformats.org/drawingml/2006/main" xmlns:r="http://schemas.openxmlformats.org/officeDocument/2006/relationships" xmlns:p="http://schemas.openxmlformats.org/presentationml/2006/main">
   <p:cSld>
     <p:spTree>
@@ -17229,7 +17439,7 @@
             </p:nvSpPr>
             <p:spPr>
               <a:blipFill rotWithShape="1">
-                <a:blip r:embed="rId2"/>
+                <a:blip r:embed="rId3"/>
                 <a:stretch>
                   <a:fillRect l="-968" t="-892" r="-129"/>
                 </a:stretch>
@@ -19347,7 +19557,7 @@
           <p:nvPr/>
         </p:nvPicPr>
         <p:blipFill>
-          <a:blip r:embed="rId2" cstate="print">
+          <a:blip r:embed="rId3" cstate="print">
             <a:extLst>
               <a:ext uri="{28A0092B-C50C-407E-A947-70E740481C1C}">
                 <a14:useLocalDpi xmlns:a14="http://schemas.microsoft.com/office/drawing/2010/main" val="0"/>
@@ -19388,7 +19598,7 @@
           <p:nvPr/>
         </p:nvPicPr>
         <p:blipFill>
-          <a:blip r:embed="rId3" cstate="print">
+          <a:blip r:embed="rId4" cstate="print">
             <a:extLst>
               <a:ext uri="{28A0092B-C50C-407E-A947-70E740481C1C}">
                 <a14:useLocalDpi xmlns:a14="http://schemas.microsoft.com/office/drawing/2010/main" val="0"/>
@@ -19442,7 +19652,7 @@
           <p:nvPr/>
         </p:nvPicPr>
         <p:blipFill>
-          <a:blip r:embed="rId4" cstate="print"/>
+          <a:blip r:embed="rId5" cstate="print"/>
           <a:srcRect/>
           <a:stretch>
             <a:fillRect/>
@@ -19636,7 +19846,7 @@
           <p:nvPr/>
         </p:nvPicPr>
         <p:blipFill>
-          <a:blip r:embed="rId5" cstate="print">
+          <a:blip r:embed="rId6" cstate="print">
             <a:extLst>
               <a:ext uri="{28A0092B-C50C-407E-A947-70E740481C1C}">
                 <a14:useLocalDpi xmlns:a14="http://schemas.microsoft.com/office/drawing/2010/main" val="0"/>
@@ -19882,7 +20092,7 @@
           <p:nvPr/>
         </p:nvPicPr>
         <p:blipFill>
-          <a:blip r:embed="rId6" cstate="print">
+          <a:blip r:embed="rId7" cstate="print">
             <a:extLst>
               <a:ext uri="{28A0092B-C50C-407E-A947-70E740481C1C}">
                 <a14:useLocalDpi xmlns:a14="http://schemas.microsoft.com/office/drawing/2010/main" val="0"/>
